--- a/COMP 5120.pptx
+++ b/COMP 5120.pptx
@@ -6244,6 +6244,73 @@
               <a:t>Created with HTML, Bootstrap 4, and PHP</a:t>
             </a:r>
           </a:p>
+          <a:p>
+            <a:endParaRPr lang="en-US" dirty="0"/>
+          </a:p>
+          <a:p>
+            <a:r>
+              <a:rPr lang="en-US" dirty="0"/>
+              <a:t>Example Query: Show the names of all the ordered books and their total quantities.  List the result in ascending quantity.</a:t>
+            </a:r>
+            <a:br>
+              <a:rPr lang="en-US" dirty="0"/>
+            </a:br>
+            <a:endParaRPr lang="en-US" dirty="0"/>
+          </a:p>
+          <a:p>
+            <a:r>
+              <a:rPr lang="en-US" dirty="0"/>
+              <a:t>Select </a:t>
+            </a:r>
+            <a:r>
+              <a:rPr lang="en-US" dirty="0" err="1"/>
+              <a:t>b.Title</a:t>
+            </a:r>
+            <a:r>
+              <a:rPr lang="en-US" dirty="0"/>
+              <a:t>, SUM(</a:t>
+            </a:r>
+            <a:r>
+              <a:rPr lang="en-US" dirty="0" err="1"/>
+              <a:t>od.Quantity</a:t>
+            </a:r>
+            <a:r>
+              <a:rPr lang="en-US" dirty="0"/>
+              <a:t>) as Total From Book b, </a:t>
+            </a:r>
+            <a:r>
+              <a:rPr lang="en-US" dirty="0" err="1"/>
+              <a:t>OrderDetail</a:t>
+            </a:r>
+            <a:r>
+              <a:rPr lang="en-US" dirty="0"/>
+              <a:t> od where </a:t>
+            </a:r>
+            <a:r>
+              <a:rPr lang="en-US" dirty="0" err="1"/>
+              <a:t>od.BookID</a:t>
+            </a:r>
+            <a:r>
+              <a:rPr lang="en-US" dirty="0"/>
+              <a:t>=</a:t>
+            </a:r>
+            <a:r>
+              <a:rPr lang="en-US" dirty="0" err="1"/>
+              <a:t>b.BookID</a:t>
+            </a:r>
+            <a:r>
+              <a:rPr lang="en-US" dirty="0"/>
+              <a:t> Group By </a:t>
+            </a:r>
+            <a:r>
+              <a:rPr lang="en-US" dirty="0" err="1"/>
+              <a:t>b.Title</a:t>
+            </a:r>
+            <a:r>
+              <a:rPr lang="en-US" dirty="0"/>
+              <a:t> Order BY Total ASC</a:t>
+            </a:r>
+          </a:p>
         </p:txBody>
       </p:sp>
     </p:spTree>

--- a/COMP 5120.pptx
+++ b/COMP 5120.pptx
@@ -6150,12 +6150,20 @@
             <p:ph type="subTitle" idx="1"/>
           </p:nvPr>
         </p:nvSpPr>
-        <p:spPr/>
+        <p:spPr>
+          <a:xfrm>
+            <a:off x="2132108" y="3818156"/>
+            <a:ext cx="8825658" cy="861420"/>
+          </a:xfrm>
+        </p:spPr>
         <p:txBody>
           <a:bodyPr/>
           <a:lstStyle/>
           <a:p>
-            <a:endParaRPr lang="en-US"/>
+            <a:r>
+              <a:rPr lang="en-US" dirty="0"/>
+              <a:t>Members: James Lee, William Garrison, Mark Shannon</a:t>
+            </a:r>
           </a:p>
         </p:txBody>
       </p:sp>
@@ -6245,6 +6253,16 @@
             </a:r>
           </a:p>
           <a:p>
+            <a:r>
+              <a:rPr lang="en-US" dirty="0"/>
+              <a:t>Website: </a:t>
+            </a:r>
+            <a:r>
+              <a:rPr lang="en-US" dirty="0">
+                <a:hlinkClick r:id="rId2"/>
+              </a:rPr>
+              <a:t>http://webhome.auburn.edu/~jyl0003/</a:t>
+            </a:r>
             <a:endParaRPr lang="en-US" dirty="0"/>
           </a:p>
           <a:p>
@@ -6260,7 +6278,7 @@
           <a:p>
             <a:r>
               <a:rPr lang="en-US" dirty="0"/>
-              <a:t>Select </a:t>
+              <a:t>Query: Select </a:t>
             </a:r>
             <a:r>
               <a:rPr lang="en-US" dirty="0" err="1"/>
